--- a/presentation/async-all-the-things.pptx
+++ b/presentation/async-all-the-things.pptx
@@ -267,7 +267,7 @@
           <a:p>
             <a:fld id="{983D6D9B-0F8C-458B-B08B-036548941D12}" type="datetimeFigureOut">
               <a:rPr lang="pt-PT" smtClean="0"/>
-              <a:t>18/07/2019</a:t>
+              <a:t>22/07/2019</a:t>
             </a:fld>
             <a:endParaRPr lang="pt-PT"/>
           </a:p>
@@ -684,7 +684,7 @@
           <a:p>
             <a:fld id="{7BC5A0E7-DF1B-473A-B6BC-AADB43BDE17C}" type="datetime1">
               <a:rPr lang="pt-PT" smtClean="0"/>
-              <a:t>18/07/2019</a:t>
+              <a:t>22/07/2019</a:t>
             </a:fld>
             <a:endParaRPr lang="pt-PT"/>
           </a:p>
@@ -889,7 +889,7 @@
           <a:p>
             <a:fld id="{45E19FAD-9910-43AE-8B36-5EB93DB26C19}" type="datetime1">
               <a:rPr lang="pt-PT" smtClean="0"/>
-              <a:t>18/07/2019</a:t>
+              <a:t>22/07/2019</a:t>
             </a:fld>
             <a:endParaRPr lang="pt-PT"/>
           </a:p>
@@ -1099,7 +1099,7 @@
           <a:p>
             <a:fld id="{7B065CBB-26D4-47D5-9DCB-46F2A0891989}" type="datetime1">
               <a:rPr lang="pt-PT" smtClean="0"/>
-              <a:t>18/07/2019</a:t>
+              <a:t>22/07/2019</a:t>
             </a:fld>
             <a:endParaRPr lang="pt-PT"/>
           </a:p>
@@ -1304,7 +1304,7 @@
           <a:p>
             <a:fld id="{6A03AAA3-D668-488E-BC5C-16991DD8CD7A}" type="datetime1">
               <a:rPr lang="pt-PT" smtClean="0"/>
-              <a:t>18/07/2019</a:t>
+              <a:t>22/07/2019</a:t>
             </a:fld>
             <a:endParaRPr lang="pt-PT"/>
           </a:p>
@@ -1580,7 +1580,7 @@
           <a:p>
             <a:fld id="{0FDC295C-2D3B-433E-8BAF-F1774F278DC1}" type="datetime1">
               <a:rPr lang="pt-PT" smtClean="0"/>
-              <a:t>18/07/2019</a:t>
+              <a:t>22/07/2019</a:t>
             </a:fld>
             <a:endParaRPr lang="pt-PT"/>
           </a:p>
@@ -1853,7 +1853,7 @@
           <a:p>
             <a:fld id="{1C9899F1-CFF7-46D6-A1D4-C9F00D7AC3D9}" type="datetime1">
               <a:rPr lang="pt-PT" smtClean="0"/>
-              <a:t>18/07/2019</a:t>
+              <a:t>22/07/2019</a:t>
             </a:fld>
             <a:endParaRPr lang="pt-PT"/>
           </a:p>
@@ -2268,7 +2268,7 @@
           <a:p>
             <a:fld id="{F2ECEE4E-69DE-4832-BA99-F1C0B0845C33}" type="datetime1">
               <a:rPr lang="pt-PT" smtClean="0"/>
-              <a:t>18/07/2019</a:t>
+              <a:t>22/07/2019</a:t>
             </a:fld>
             <a:endParaRPr lang="pt-PT"/>
           </a:p>
@@ -2410,7 +2410,7 @@
           <a:p>
             <a:fld id="{F891F9D1-0A4B-47E6-979E-5BFE241942EF}" type="datetime1">
               <a:rPr lang="pt-PT" smtClean="0"/>
-              <a:t>18/07/2019</a:t>
+              <a:t>22/07/2019</a:t>
             </a:fld>
             <a:endParaRPr lang="pt-PT"/>
           </a:p>
@@ -2523,7 +2523,7 @@
           <a:p>
             <a:fld id="{366ABC13-341A-42B6-BB9C-8B17E77D78BD}" type="datetime1">
               <a:rPr lang="pt-PT" smtClean="0"/>
-              <a:t>18/07/2019</a:t>
+              <a:t>22/07/2019</a:t>
             </a:fld>
             <a:endParaRPr lang="pt-PT"/>
           </a:p>
@@ -2836,7 +2836,7 @@
           <a:p>
             <a:fld id="{056C69F2-C049-4C2F-8710-D854FCC26CA8}" type="datetime1">
               <a:rPr lang="pt-PT" smtClean="0"/>
-              <a:t>18/07/2019</a:t>
+              <a:t>22/07/2019</a:t>
             </a:fld>
             <a:endParaRPr lang="pt-PT"/>
           </a:p>
@@ -3125,7 +3125,7 @@
           <a:p>
             <a:fld id="{D5E56A50-1685-467C-806D-D8AE86523B3A}" type="datetime1">
               <a:rPr lang="pt-PT" smtClean="0"/>
-              <a:t>18/07/2019</a:t>
+              <a:t>22/07/2019</a:t>
             </a:fld>
             <a:endParaRPr lang="pt-PT"/>
           </a:p>
@@ -3368,7 +3368,7 @@
           <a:p>
             <a:fld id="{31D5F0EA-CD69-48E5-883C-BA5257F9C170}" type="datetime1">
               <a:rPr lang="pt-PT" smtClean="0"/>
-              <a:t>18/07/2019</a:t>
+              <a:t>22/07/2019</a:t>
             </a:fld>
             <a:endParaRPr lang="pt-PT"/>
           </a:p>
@@ -3865,93 +3865,6 @@
           </a:p>
         </p:txBody>
       </p:sp>
-      <p:sp>
-        <p:nvSpPr>
-          <p:cNvPr id="7" name="TextBox 6">
-            <a:extLst>
-              <a:ext uri="{FF2B5EF4-FFF2-40B4-BE49-F238E27FC236}">
-                <a16:creationId xmlns:a16="http://schemas.microsoft.com/office/drawing/2014/main" id="{40625949-CF48-4FBB-916A-84A690980604}"/>
-              </a:ext>
-            </a:extLst>
-          </p:cNvPr>
-          <p:cNvSpPr txBox="1"/>
-          <p:nvPr/>
-        </p:nvSpPr>
-        <p:spPr>
-          <a:xfrm>
-            <a:off x="328927" y="4793488"/>
-            <a:ext cx="6212427" cy="1477328"/>
-          </a:xfrm>
-          <a:prstGeom prst="rect">
-            <a:avLst/>
-          </a:prstGeom>
-          <a:noFill/>
-        </p:spPr>
-        <p:txBody>
-          <a:bodyPr wrap="square" rtlCol="0">
-            <a:spAutoFit/>
-          </a:bodyPr>
-          <a:lstStyle/>
-          <a:p>
-            <a:r>
-              <a:rPr lang="pt-PT" dirty="0"/>
-              <a:t>João Antunes</a:t>
-            </a:r>
-          </a:p>
-          <a:p>
-            <a:r>
-              <a:rPr lang="pt-PT" dirty="0"/>
-              <a:t>Twitter: </a:t>
-            </a:r>
-            <a:r>
-              <a:rPr lang="pt-PT" dirty="0">
-                <a:hlinkClick r:id="rId2"/>
-              </a:rPr>
-              <a:t>@joaofbantunes</a:t>
-            </a:r>
-            <a:endParaRPr lang="pt-PT" dirty="0"/>
-          </a:p>
-          <a:p>
-            <a:r>
-              <a:rPr lang="pt-PT" dirty="0"/>
-              <a:t>Site: </a:t>
-            </a:r>
-            <a:r>
-              <a:rPr lang="pt-PT" dirty="0">
-                <a:hlinkClick r:id="rId3"/>
-              </a:rPr>
-              <a:t>antunes.dev</a:t>
-            </a:r>
-            <a:endParaRPr lang="pt-PT" dirty="0"/>
-          </a:p>
-          <a:p>
-            <a:r>
-              <a:rPr lang="pt-PT" dirty="0"/>
-              <a:t>Blog: </a:t>
-            </a:r>
-            <a:r>
-              <a:rPr lang="pt-PT" dirty="0">
-                <a:hlinkClick r:id="rId4"/>
-              </a:rPr>
-              <a:t>blog.codingmilitia.com</a:t>
-            </a:r>
-            <a:endParaRPr lang="pt-PT" dirty="0"/>
-          </a:p>
-          <a:p>
-            <a:r>
-              <a:rPr lang="pt-PT" dirty="0"/>
-              <a:t>GitHub: </a:t>
-            </a:r>
-            <a:r>
-              <a:rPr lang="pt-PT" dirty="0">
-                <a:hlinkClick r:id="rId5"/>
-              </a:rPr>
-              <a:t>joaofbantunes</a:t>
-            </a:r>
-            <a:endParaRPr lang="pt-PT" dirty="0"/>
-          </a:p>
-        </p:txBody>
-      </p:sp>
     </p:spTree>
     <p:extLst>
       <p:ext uri="{BB962C8B-B14F-4D97-AF65-F5344CB8AC3E}">
@@ -8858,7 +8771,7 @@
         <p:spPr/>
         <p:txBody>
           <a:bodyPr>
-            <a:normAutofit fontScale="92500"/>
+            <a:normAutofit/>
           </a:bodyPr>
           <a:lstStyle/>
           <a:p>
@@ -10718,7 +10631,7 @@
         <p:spPr/>
         <p:txBody>
           <a:bodyPr>
-            <a:normAutofit fontScale="85000" lnSpcReduction="10000"/>
+            <a:normAutofit fontScale="92500" lnSpcReduction="20000"/>
           </a:bodyPr>
           <a:lstStyle/>
           <a:p>
@@ -12549,85 +12462,46 @@
           <a:p>
             <a:r>
               <a:rPr lang="pt-PT" dirty="0"/>
-              <a:t>Stephen </a:t>
-            </a:r>
-            <a:r>
-              <a:rPr lang="pt-PT" dirty="0" err="1"/>
-              <a:t>Toub's</a:t>
-            </a:r>
-            <a:r>
-              <a:rPr lang="pt-PT" dirty="0"/>
-              <a:t> "</a:t>
-            </a:r>
-            <a:r>
-              <a:rPr lang="pt-PT" dirty="0" err="1"/>
-              <a:t>Understanding</a:t>
-            </a:r>
-            <a:r>
-              <a:rPr lang="pt-PT" dirty="0"/>
-              <a:t> </a:t>
-            </a:r>
-            <a:r>
-              <a:rPr lang="pt-PT" dirty="0" err="1"/>
-              <a:t>the</a:t>
-            </a:r>
-            <a:r>
-              <a:rPr lang="pt-PT" dirty="0"/>
-              <a:t> </a:t>
-            </a:r>
-            <a:r>
-              <a:rPr lang="pt-PT" dirty="0" err="1"/>
-              <a:t>Whys</a:t>
-            </a:r>
-            <a:r>
-              <a:rPr lang="pt-PT" dirty="0"/>
-              <a:t>, </a:t>
-            </a:r>
-            <a:r>
-              <a:rPr lang="pt-PT" dirty="0" err="1"/>
-              <a:t>Whats</a:t>
-            </a:r>
-            <a:r>
-              <a:rPr lang="pt-PT" dirty="0"/>
-              <a:t>, </a:t>
-            </a:r>
-            <a:r>
-              <a:rPr lang="pt-PT" dirty="0" err="1"/>
-              <a:t>and</a:t>
-            </a:r>
-            <a:r>
-              <a:rPr lang="pt-PT" dirty="0"/>
-              <a:t> </a:t>
-            </a:r>
-            <a:r>
-              <a:rPr lang="pt-PT" dirty="0" err="1"/>
-              <a:t>Whens</a:t>
-            </a:r>
-            <a:r>
-              <a:rPr lang="pt-PT" dirty="0"/>
-              <a:t> </a:t>
-            </a:r>
-            <a:r>
-              <a:rPr lang="pt-PT" dirty="0" err="1"/>
-              <a:t>of</a:t>
-            </a:r>
-            <a:r>
-              <a:rPr lang="pt-PT" dirty="0"/>
-              <a:t> </a:t>
-            </a:r>
-            <a:r>
-              <a:rPr lang="pt-PT" dirty="0" err="1"/>
-              <a:t>ValueTask</a:t>
-            </a:r>
-            <a:r>
-              <a:rPr lang="pt-PT" dirty="0"/>
-              <a:t>" </a:t>
+              <a:t>Stephen Toub's "Understanding the Whys, Whats, and Whens of ValueTask" </a:t>
             </a:r>
             <a:r>
               <a:rPr lang="pt-PT" dirty="0">
                 <a:hlinkClick r:id="rId8"/>
               </a:rPr>
               <a:t>https://devblogs.microsoft.com/dotnet/understanding-the-whys-whats-and-whens-of-valuetask/</a:t>
+            </a:r>
+            <a:endParaRPr lang="pt-PT" dirty="0"/>
+          </a:p>
+          <a:p>
+            <a:r>
+              <a:rPr lang="en-US" sz="2900" dirty="0"/>
+              <a:t>Stephen </a:t>
+            </a:r>
+            <a:r>
+              <a:rPr lang="en-US" sz="2900" dirty="0" err="1"/>
+              <a:t>Toub’s</a:t>
+            </a:r>
+            <a:r>
+              <a:rPr lang="en-US" sz="2900" dirty="0"/>
+              <a:t>  “</a:t>
+            </a:r>
+            <a:r>
+              <a:rPr lang="pt-PT" sz="2900" dirty="0"/>
+              <a:t>ExecutionContext vs SynchronizationContext</a:t>
+            </a:r>
+            <a:r>
+              <a:rPr lang="en-US" sz="2900" dirty="0"/>
+              <a:t>”</a:t>
+            </a:r>
+            <a:r>
+              <a:rPr lang="en-US" dirty="0"/>
+              <a:t> </a:t>
+            </a:r>
+            <a:r>
+              <a:rPr lang="pt-PT" dirty="0">
+                <a:hlinkClick r:id="rId9"/>
+              </a:rPr>
+              <a:t>https://devblogs.microsoft.com/pfxteam/executioncontext-vs-synchronizationcontext/</a:t>
             </a:r>
             <a:endParaRPr lang="pt-PT" dirty="0"/>
           </a:p>

--- a/presentation/async-all-the-things.pptx
+++ b/presentation/async-all-the-things.pptx
@@ -5,7 +5,7 @@
     <p:sldMasterId id="2147483804" r:id="rId1"/>
   </p:sldMasterIdLst>
   <p:notesMasterIdLst>
-    <p:notesMasterId r:id="rId62"/>
+    <p:notesMasterId r:id="rId65"/>
   </p:notesMasterIdLst>
   <p:sldIdLst>
     <p:sldId id="256" r:id="rId2"/>
@@ -64,10 +64,13 @@
     <p:sldId id="305" r:id="rId55"/>
     <p:sldId id="306" r:id="rId56"/>
     <p:sldId id="307" r:id="rId57"/>
-    <p:sldId id="308" r:id="rId58"/>
-    <p:sldId id="309" r:id="rId59"/>
-    <p:sldId id="310" r:id="rId60"/>
-    <p:sldId id="311" r:id="rId61"/>
+    <p:sldId id="316" r:id="rId58"/>
+    <p:sldId id="317" r:id="rId59"/>
+    <p:sldId id="318" r:id="rId60"/>
+    <p:sldId id="308" r:id="rId61"/>
+    <p:sldId id="309" r:id="rId62"/>
+    <p:sldId id="310" r:id="rId63"/>
+    <p:sldId id="311" r:id="rId64"/>
   </p:sldIdLst>
   <p:sldSz cx="12192000" cy="6858000"/>
   <p:notesSz cx="6858000" cy="9144000"/>
@@ -267,7 +270,7 @@
           <a:p>
             <a:fld id="{983D6D9B-0F8C-458B-B08B-036548941D12}" type="datetimeFigureOut">
               <a:rPr lang="pt-PT" smtClean="0"/>
-              <a:t>22/07/2019</a:t>
+              <a:t>24/07/2019</a:t>
             </a:fld>
             <a:endParaRPr lang="pt-PT"/>
           </a:p>
@@ -684,7 +687,7 @@
           <a:p>
             <a:fld id="{7BC5A0E7-DF1B-473A-B6BC-AADB43BDE17C}" type="datetime1">
               <a:rPr lang="pt-PT" smtClean="0"/>
-              <a:t>22/07/2019</a:t>
+              <a:t>24/07/2019</a:t>
             </a:fld>
             <a:endParaRPr lang="pt-PT"/>
           </a:p>
@@ -889,7 +892,7 @@
           <a:p>
             <a:fld id="{45E19FAD-9910-43AE-8B36-5EB93DB26C19}" type="datetime1">
               <a:rPr lang="pt-PT" smtClean="0"/>
-              <a:t>22/07/2019</a:t>
+              <a:t>24/07/2019</a:t>
             </a:fld>
             <a:endParaRPr lang="pt-PT"/>
           </a:p>
@@ -1099,7 +1102,7 @@
           <a:p>
             <a:fld id="{7B065CBB-26D4-47D5-9DCB-46F2A0891989}" type="datetime1">
               <a:rPr lang="pt-PT" smtClean="0"/>
-              <a:t>22/07/2019</a:t>
+              <a:t>24/07/2019</a:t>
             </a:fld>
             <a:endParaRPr lang="pt-PT"/>
           </a:p>
@@ -1304,7 +1307,7 @@
           <a:p>
             <a:fld id="{6A03AAA3-D668-488E-BC5C-16991DD8CD7A}" type="datetime1">
               <a:rPr lang="pt-PT" smtClean="0"/>
-              <a:t>22/07/2019</a:t>
+              <a:t>24/07/2019</a:t>
             </a:fld>
             <a:endParaRPr lang="pt-PT"/>
           </a:p>
@@ -1580,7 +1583,7 @@
           <a:p>
             <a:fld id="{0FDC295C-2D3B-433E-8BAF-F1774F278DC1}" type="datetime1">
               <a:rPr lang="pt-PT" smtClean="0"/>
-              <a:t>22/07/2019</a:t>
+              <a:t>24/07/2019</a:t>
             </a:fld>
             <a:endParaRPr lang="pt-PT"/>
           </a:p>
@@ -1853,7 +1856,7 @@
           <a:p>
             <a:fld id="{1C9899F1-CFF7-46D6-A1D4-C9F00D7AC3D9}" type="datetime1">
               <a:rPr lang="pt-PT" smtClean="0"/>
-              <a:t>22/07/2019</a:t>
+              <a:t>24/07/2019</a:t>
             </a:fld>
             <a:endParaRPr lang="pt-PT"/>
           </a:p>
@@ -2268,7 +2271,7 @@
           <a:p>
             <a:fld id="{F2ECEE4E-69DE-4832-BA99-F1C0B0845C33}" type="datetime1">
               <a:rPr lang="pt-PT" smtClean="0"/>
-              <a:t>22/07/2019</a:t>
+              <a:t>24/07/2019</a:t>
             </a:fld>
             <a:endParaRPr lang="pt-PT"/>
           </a:p>
@@ -2410,7 +2413,7 @@
           <a:p>
             <a:fld id="{F891F9D1-0A4B-47E6-979E-5BFE241942EF}" type="datetime1">
               <a:rPr lang="pt-PT" smtClean="0"/>
-              <a:t>22/07/2019</a:t>
+              <a:t>24/07/2019</a:t>
             </a:fld>
             <a:endParaRPr lang="pt-PT"/>
           </a:p>
@@ -2523,7 +2526,7 @@
           <a:p>
             <a:fld id="{366ABC13-341A-42B6-BB9C-8B17E77D78BD}" type="datetime1">
               <a:rPr lang="pt-PT" smtClean="0"/>
-              <a:t>22/07/2019</a:t>
+              <a:t>24/07/2019</a:t>
             </a:fld>
             <a:endParaRPr lang="pt-PT"/>
           </a:p>
@@ -2836,7 +2839,7 @@
           <a:p>
             <a:fld id="{056C69F2-C049-4C2F-8710-D854FCC26CA8}" type="datetime1">
               <a:rPr lang="pt-PT" smtClean="0"/>
-              <a:t>22/07/2019</a:t>
+              <a:t>24/07/2019</a:t>
             </a:fld>
             <a:endParaRPr lang="pt-PT"/>
           </a:p>
@@ -3125,7 +3128,7 @@
           <a:p>
             <a:fld id="{D5E56A50-1685-467C-806D-D8AE86523B3A}" type="datetime1">
               <a:rPr lang="pt-PT" smtClean="0"/>
-              <a:t>22/07/2019</a:t>
+              <a:t>24/07/2019</a:t>
             </a:fld>
             <a:endParaRPr lang="pt-PT"/>
           </a:p>
@@ -3368,7 +3371,7 @@
           <a:p>
             <a:fld id="{31D5F0EA-CD69-48E5-883C-BA5257F9C170}" type="datetime1">
               <a:rPr lang="pt-PT" smtClean="0"/>
-              <a:t>22/07/2019</a:t>
+              <a:t>24/07/2019</a:t>
             </a:fld>
             <a:endParaRPr lang="pt-PT"/>
           </a:p>
@@ -8771,7 +8774,7 @@
         <p:spPr/>
         <p:txBody>
           <a:bodyPr>
-            <a:normAutofit/>
+            <a:normAutofit fontScale="92500"/>
           </a:bodyPr>
           <a:lstStyle/>
           <a:p>
@@ -10631,7 +10634,7 @@
         <p:spPr/>
         <p:txBody>
           <a:bodyPr>
-            <a:normAutofit fontScale="92500" lnSpcReduction="20000"/>
+            <a:normAutofit fontScale="85000" lnSpcReduction="10000"/>
           </a:bodyPr>
           <a:lstStyle/>
           <a:p>
@@ -11819,7 +11822,7 @@
           <p:cNvPr id="5" name="Title 4">
             <a:extLst>
               <a:ext uri="{FF2B5EF4-FFF2-40B4-BE49-F238E27FC236}">
-                <a16:creationId xmlns:a16="http://schemas.microsoft.com/office/drawing/2014/main" id="{1DF77426-A5CA-485E-B0A4-8ED596EC28E3}"/>
+                <a16:creationId xmlns:a16="http://schemas.microsoft.com/office/drawing/2014/main" id="{FDA98822-BE38-4960-9237-B53137517560}"/>
               </a:ext>
             </a:extLst>
           </p:cNvPr>
@@ -11837,15 +11840,7 @@
           <a:p>
             <a:r>
               <a:rPr lang="pt-PT" dirty="0" err="1"/>
-              <a:t>Wrapping</a:t>
-            </a:r>
-            <a:r>
-              <a:rPr lang="pt-PT" dirty="0"/>
-              <a:t> </a:t>
-            </a:r>
-            <a:r>
-              <a:rPr lang="pt-PT" dirty="0" err="1"/>
-              <a:t>up</a:t>
+              <a:t>AsyncLocal</a:t>
             </a:r>
             <a:endParaRPr lang="pt-PT" dirty="0"/>
           </a:p>
@@ -11856,7 +11851,7 @@
           <p:cNvPr id="6" name="Text Placeholder 5">
             <a:extLst>
               <a:ext uri="{FF2B5EF4-FFF2-40B4-BE49-F238E27FC236}">
-                <a16:creationId xmlns:a16="http://schemas.microsoft.com/office/drawing/2014/main" id="{80C7D7FB-EB60-4469-81A1-37BA03B569AE}"/>
+                <a16:creationId xmlns:a16="http://schemas.microsoft.com/office/drawing/2014/main" id="{BC29CD9C-152C-479F-B0D1-7ABA75BC40EC}"/>
               </a:ext>
             </a:extLst>
           </p:cNvPr>
@@ -11872,7 +11867,18 @@
           <a:bodyPr/>
           <a:lstStyle/>
           <a:p>
-            <a:endParaRPr lang="pt-PT"/>
+            <a:r>
+              <a:rPr lang="en-US" dirty="0"/>
+              <a:t>Remember thread local storage? Well it doesn’t really work well in this new async world, </a:t>
+            </a:r>
+            <a:r>
+              <a:rPr lang="en-US" dirty="0" err="1"/>
+              <a:t>AsyncLocal</a:t>
+            </a:r>
+            <a:r>
+              <a:rPr lang="en-US" dirty="0"/>
+              <a:t> to the rescue</a:t>
+            </a:r>
           </a:p>
         </p:txBody>
       </p:sp>
@@ -11881,7 +11887,7 @@
           <p:cNvPr id="4" name="Slide Number Placeholder 3">
             <a:extLst>
               <a:ext uri="{FF2B5EF4-FFF2-40B4-BE49-F238E27FC236}">
-                <a16:creationId xmlns:a16="http://schemas.microsoft.com/office/drawing/2014/main" id="{52D6E5F0-247A-4444-BB10-DA85900E1EA7}"/>
+                <a16:creationId xmlns:a16="http://schemas.microsoft.com/office/drawing/2014/main" id="{B12A8C55-3F94-4B04-A734-7894F5DC4937}"/>
               </a:ext>
             </a:extLst>
           </p:cNvPr>
@@ -11908,7 +11914,7 @@
     </p:spTree>
     <p:extLst>
       <p:ext uri="{BB962C8B-B14F-4D97-AF65-F5344CB8AC3E}">
-        <p14:creationId xmlns:p14="http://schemas.microsoft.com/office/powerpoint/2010/main" val="2303745898"/>
+        <p14:creationId xmlns:p14="http://schemas.microsoft.com/office/powerpoint/2010/main" val="2569297514"/>
       </p:ext>
     </p:extLst>
   </p:cSld>
@@ -11937,10 +11943,10 @@
       </p:grpSpPr>
       <p:sp>
         <p:nvSpPr>
-          <p:cNvPr id="5" name="Title 4">
-            <a:extLst>
-              <a:ext uri="{FF2B5EF4-FFF2-40B4-BE49-F238E27FC236}">
-                <a16:creationId xmlns:a16="http://schemas.microsoft.com/office/drawing/2014/main" id="{EAD557A2-7B3E-40D0-854A-ED6223CF4B0F}"/>
+          <p:cNvPr id="2" name="Title 1">
+            <a:extLst>
+              <a:ext uri="{FF2B5EF4-FFF2-40B4-BE49-F238E27FC236}">
+                <a16:creationId xmlns:a16="http://schemas.microsoft.com/office/drawing/2014/main" id="{758229F7-ECB3-4498-BE41-5B748F7F05E7}"/>
               </a:ext>
             </a:extLst>
           </p:cNvPr>
@@ -11957,16 +11963,12 @@
           <a:lstStyle/>
           <a:p>
             <a:r>
-              <a:rPr lang="pt-PT" dirty="0" err="1"/>
-              <a:t>Wrapping</a:t>
-            </a:r>
-            <a:r>
-              <a:rPr lang="pt-PT" dirty="0"/>
-              <a:t> </a:t>
-            </a:r>
-            <a:r>
-              <a:rPr lang="pt-PT" dirty="0" err="1"/>
-              <a:t>up</a:t>
+              <a:rPr lang="pt-PT" dirty="0"/>
+              <a:t>DEMO #16: </a:t>
+            </a:r>
+            <a:r>
+              <a:rPr lang="pt-PT" dirty="0" err="1"/>
+              <a:t>AsyncLocal</a:t>
             </a:r>
             <a:endParaRPr lang="pt-PT" dirty="0"/>
           </a:p>
@@ -11974,63 +11976,26 @@
       </p:sp>
       <p:sp>
         <p:nvSpPr>
-          <p:cNvPr id="6" name="Content Placeholder 5">
-            <a:extLst>
-              <a:ext uri="{FF2B5EF4-FFF2-40B4-BE49-F238E27FC236}">
-                <a16:creationId xmlns:a16="http://schemas.microsoft.com/office/drawing/2014/main" id="{F7B0369D-8885-4D22-A3D0-414E44EFFCA0}"/>
-              </a:ext>
-            </a:extLst>
-          </p:cNvPr>
-          <p:cNvSpPr>
-            <a:spLocks noGrp="1"/>
-          </p:cNvSpPr>
-          <p:nvPr>
-            <p:ph idx="1"/>
-          </p:nvPr>
-        </p:nvSpPr>
-        <p:spPr/>
-        <p:txBody>
-          <a:bodyPr/>
-          <a:lstStyle/>
-          <a:p>
-            <a:r>
-              <a:rPr lang="en-US" dirty="0"/>
-              <a:t>We've seen:</a:t>
-            </a:r>
-          </a:p>
-          <a:p>
-            <a:pPr lvl="1"/>
-            <a:r>
-              <a:rPr lang="en-US" dirty="0"/>
-              <a:t>Why async/await</a:t>
-            </a:r>
-          </a:p>
-          <a:p>
-            <a:pPr lvl="1"/>
-            <a:r>
-              <a:rPr lang="en-US" dirty="0"/>
-              <a:t>Some regularly used practices and patterns with async/await and other related bits</a:t>
-            </a:r>
-          </a:p>
-          <a:p>
-            <a:pPr lvl="1"/>
-            <a:r>
-              <a:rPr lang="en-US" dirty="0"/>
-              <a:t>Some less used but interesting scenarios</a:t>
-            </a:r>
-          </a:p>
-          <a:p>
-            <a:pPr lvl="1"/>
-            <a:r>
-              <a:rPr lang="en-US" dirty="0"/>
-              <a:t>Some common issues</a:t>
-            </a:r>
-          </a:p>
-          <a:p>
-            <a:r>
-              <a:rPr lang="en-US" dirty="0"/>
-              <a:t>There’s much more depth to the subject, but hopefully this should be a good overview</a:t>
-            </a:r>
+          <p:cNvPr id="3" name="Text Placeholder 2">
+            <a:extLst>
+              <a:ext uri="{FF2B5EF4-FFF2-40B4-BE49-F238E27FC236}">
+                <a16:creationId xmlns:a16="http://schemas.microsoft.com/office/drawing/2014/main" id="{C304AB7B-61A0-4BDF-971F-D4D843CA3C26}"/>
+              </a:ext>
+            </a:extLst>
+          </p:cNvPr>
+          <p:cNvSpPr>
+            <a:spLocks noGrp="1"/>
+          </p:cNvSpPr>
+          <p:nvPr>
+            <p:ph type="body" idx="1"/>
+          </p:nvPr>
+        </p:nvSpPr>
+        <p:spPr/>
+        <p:txBody>
+          <a:bodyPr/>
+          <a:lstStyle/>
+          <a:p>
+            <a:endParaRPr lang="pt-PT"/>
           </a:p>
         </p:txBody>
       </p:sp>
@@ -12039,7 +12004,7 @@
           <p:cNvPr id="4" name="Slide Number Placeholder 3">
             <a:extLst>
               <a:ext uri="{FF2B5EF4-FFF2-40B4-BE49-F238E27FC236}">
-                <a16:creationId xmlns:a16="http://schemas.microsoft.com/office/drawing/2014/main" id="{5039E47F-3FD9-4252-B24F-C5FAD3D1AEEA}"/>
+                <a16:creationId xmlns:a16="http://schemas.microsoft.com/office/drawing/2014/main" id="{7326EB23-DC02-4AE1-8C7A-68C9960C2C6E}"/>
               </a:ext>
             </a:extLst>
           </p:cNvPr>
@@ -12066,7 +12031,7 @@
     </p:spTree>
     <p:extLst>
       <p:ext uri="{BB962C8B-B14F-4D97-AF65-F5344CB8AC3E}">
-        <p14:creationId xmlns:p14="http://schemas.microsoft.com/office/powerpoint/2010/main" val="2344964738"/>
+        <p14:creationId xmlns:p14="http://schemas.microsoft.com/office/powerpoint/2010/main" val="1572926249"/>
       </p:ext>
     </p:extLst>
   </p:cSld>
@@ -12095,10 +12060,10 @@
       </p:grpSpPr>
       <p:sp>
         <p:nvSpPr>
-          <p:cNvPr id="2" name="Title 1">
-            <a:extLst>
-              <a:ext uri="{FF2B5EF4-FFF2-40B4-BE49-F238E27FC236}">
-                <a16:creationId xmlns:a16="http://schemas.microsoft.com/office/drawing/2014/main" id="{A603B299-6840-4CBF-9314-351F1DFB605F}"/>
+          <p:cNvPr id="5" name="Title 4">
+            <a:extLst>
+              <a:ext uri="{FF2B5EF4-FFF2-40B4-BE49-F238E27FC236}">
+                <a16:creationId xmlns:a16="http://schemas.microsoft.com/office/drawing/2014/main" id="{EE6D1216-3D85-43CB-8434-D734EBC39A41}"/>
               </a:ext>
             </a:extLst>
           </p:cNvPr>
@@ -12115,18 +12080,22 @@
           <a:lstStyle/>
           <a:p>
             <a:r>
-              <a:rPr lang="pt-PT" dirty="0"/>
-              <a:t>Some links</a:t>
-            </a:r>
-          </a:p>
-        </p:txBody>
-      </p:sp>
-      <p:sp>
-        <p:nvSpPr>
-          <p:cNvPr id="3" name="Content Placeholder 2">
-            <a:extLst>
-              <a:ext uri="{FF2B5EF4-FFF2-40B4-BE49-F238E27FC236}">
-                <a16:creationId xmlns:a16="http://schemas.microsoft.com/office/drawing/2014/main" id="{6A5B2C3B-FB65-4048-8A6A-998A346AA313}"/>
+              <a:rPr lang="pt-PT" dirty="0" err="1"/>
+              <a:t>AsyncLocal</a:t>
+            </a:r>
+            <a:r>
+              <a:rPr lang="pt-PT" dirty="0"/>
+              <a:t> - takeaways</a:t>
+            </a:r>
+          </a:p>
+        </p:txBody>
+      </p:sp>
+      <p:sp>
+        <p:nvSpPr>
+          <p:cNvPr id="6" name="Content Placeholder 5">
+            <a:extLst>
+              <a:ext uri="{FF2B5EF4-FFF2-40B4-BE49-F238E27FC236}">
+                <a16:creationId xmlns:a16="http://schemas.microsoft.com/office/drawing/2014/main" id="{A35E2DB3-EB48-48F4-9EF9-AB4B8A919777}"/>
               </a:ext>
             </a:extLst>
           </p:cNvPr>
@@ -12139,403 +12108,43 @@
         </p:nvSpPr>
         <p:spPr/>
         <p:txBody>
-          <a:bodyPr>
-            <a:normAutofit fontScale="62500" lnSpcReduction="20000"/>
-          </a:bodyPr>
-          <a:lstStyle/>
-          <a:p>
-            <a:r>
-              <a:rPr lang="pt-PT" dirty="0"/>
-              <a:t>David </a:t>
-            </a:r>
-            <a:r>
-              <a:rPr lang="pt-PT" dirty="0" err="1"/>
-              <a:t>Fowler's</a:t>
-            </a:r>
-            <a:r>
-              <a:rPr lang="pt-PT" dirty="0"/>
-              <a:t> </a:t>
-            </a:r>
-            <a:r>
-              <a:rPr lang="pt-PT" dirty="0" err="1"/>
-              <a:t>async</a:t>
-            </a:r>
-            <a:r>
-              <a:rPr lang="pt-PT" dirty="0"/>
-              <a:t> </a:t>
-            </a:r>
-            <a:r>
-              <a:rPr lang="pt-PT" dirty="0" err="1"/>
-              <a:t>guidance</a:t>
-            </a:r>
-            <a:r>
-              <a:rPr lang="pt-PT" dirty="0"/>
-              <a:t> </a:t>
-            </a:r>
-            <a:r>
-              <a:rPr lang="pt-PT" dirty="0" err="1"/>
-              <a:t>article</a:t>
-            </a:r>
-            <a:r>
-              <a:rPr lang="pt-PT" dirty="0"/>
-              <a:t>: </a:t>
-            </a:r>
-            <a:r>
-              <a:rPr lang="pt-PT" dirty="0">
-                <a:hlinkClick r:id="rId2"/>
-              </a:rPr>
-              <a:t>https://github.com/davidfowl/AspNetCoreDiagnosticScenarios/blob/master/AsyncGuidance.md</a:t>
-            </a:r>
-            <a:endParaRPr lang="pt-PT" dirty="0"/>
-          </a:p>
-          <a:p>
-            <a:r>
-              <a:rPr lang="pt-PT" dirty="0"/>
-              <a:t>Stephen </a:t>
-            </a:r>
-            <a:r>
-              <a:rPr lang="pt-PT" dirty="0" err="1"/>
-              <a:t>Cleary's</a:t>
-            </a:r>
-            <a:r>
-              <a:rPr lang="pt-PT" dirty="0"/>
-              <a:t> blog: </a:t>
-            </a:r>
-            <a:r>
-              <a:rPr lang="pt-PT" dirty="0">
-                <a:hlinkClick r:id="rId3"/>
-              </a:rPr>
-              <a:t>https://blog.stephencleary.com/</a:t>
-            </a:r>
-            <a:endParaRPr lang="pt-PT" dirty="0"/>
+          <a:bodyPr/>
+          <a:lstStyle/>
+          <a:p>
+            <a:r>
+              <a:rPr lang="en-US" dirty="0"/>
+              <a:t>Enables us to flow ambient information through an async workflow</a:t>
+            </a:r>
+          </a:p>
+          <a:p>
+            <a:r>
+              <a:rPr lang="en-US" dirty="0"/>
+              <a:t>Acts like thread local storage, but in an async world where an execution flow can go through multiple threads</a:t>
+            </a:r>
+          </a:p>
+          <a:p>
+            <a:r>
+              <a:rPr lang="en-US" dirty="0"/>
+              <a:t>It has some tricky semantics, so be aware of that when using it</a:t>
+            </a:r>
+          </a:p>
+          <a:p>
+            <a:r>
+              <a:rPr lang="en-US" dirty="0"/>
+              <a:t>Example usage: ASP.NET Core’s </a:t>
+            </a:r>
+            <a:r>
+              <a:rPr lang="en-US"/>
+              <a:t>HttpContextAccessor</a:t>
+            </a:r>
+            <a:endParaRPr lang="en-US" dirty="0"/>
           </a:p>
           <a:p>
             <a:pPr lvl="1"/>
-            <a:r>
-              <a:rPr lang="pt-PT" dirty="0"/>
-              <a:t>"</a:t>
-            </a:r>
-            <a:r>
-              <a:rPr lang="pt-PT" dirty="0" err="1"/>
-              <a:t>Task.Run</a:t>
-            </a:r>
-            <a:r>
-              <a:rPr lang="pt-PT" dirty="0"/>
-              <a:t> </a:t>
-            </a:r>
-            <a:r>
-              <a:rPr lang="pt-PT" dirty="0" err="1"/>
-              <a:t>Etiquette</a:t>
-            </a:r>
-            <a:r>
-              <a:rPr lang="pt-PT" dirty="0"/>
-              <a:t> </a:t>
-            </a:r>
-            <a:r>
-              <a:rPr lang="pt-PT" dirty="0" err="1"/>
-              <a:t>Examples</a:t>
-            </a:r>
-            <a:r>
-              <a:rPr lang="pt-PT" dirty="0"/>
-              <a:t>: </a:t>
-            </a:r>
-            <a:r>
-              <a:rPr lang="pt-PT" dirty="0" err="1"/>
-              <a:t>Don't</a:t>
-            </a:r>
-            <a:r>
-              <a:rPr lang="pt-PT" dirty="0"/>
-              <a:t> Use </a:t>
-            </a:r>
-            <a:r>
-              <a:rPr lang="pt-PT" dirty="0" err="1"/>
-              <a:t>Task.Run</a:t>
-            </a:r>
-            <a:r>
-              <a:rPr lang="pt-PT" dirty="0"/>
-              <a:t> in </a:t>
-            </a:r>
-            <a:r>
-              <a:rPr lang="pt-PT" dirty="0" err="1"/>
-              <a:t>the</a:t>
-            </a:r>
-            <a:r>
-              <a:rPr lang="pt-PT" dirty="0"/>
-              <a:t> </a:t>
-            </a:r>
-            <a:r>
-              <a:rPr lang="pt-PT" dirty="0" err="1"/>
-              <a:t>Implementation</a:t>
-            </a:r>
-            <a:r>
-              <a:rPr lang="pt-PT" dirty="0"/>
-              <a:t>": </a:t>
-            </a:r>
-            <a:r>
-              <a:rPr lang="pt-PT" dirty="0">
-                <a:hlinkClick r:id="rId4"/>
-              </a:rPr>
-              <a:t>https://blog.stephencleary.com/2013/11/taskrun-etiquette-examples-dont-use.html</a:t>
-            </a:r>
-            <a:endParaRPr lang="pt-PT" dirty="0"/>
-          </a:p>
-          <a:p>
-            <a:pPr lvl="1"/>
-            <a:r>
-              <a:rPr lang="pt-PT" dirty="0"/>
-              <a:t>“</a:t>
-            </a:r>
-            <a:r>
-              <a:rPr lang="pt-PT" dirty="0" err="1"/>
-              <a:t>There</a:t>
-            </a:r>
-            <a:r>
-              <a:rPr lang="pt-PT" dirty="0"/>
-              <a:t> Is No </a:t>
-            </a:r>
-            <a:r>
-              <a:rPr lang="pt-PT" dirty="0" err="1"/>
-              <a:t>Thread</a:t>
-            </a:r>
-            <a:r>
-              <a:rPr lang="pt-PT" dirty="0"/>
-              <a:t>”: </a:t>
-            </a:r>
-            <a:r>
-              <a:rPr lang="pt-PT" dirty="0">
-                <a:hlinkClick r:id="rId5"/>
-              </a:rPr>
-              <a:t>https://blog.stephencleary.com/2013/11/there-is-no-thread.html</a:t>
-            </a:r>
-            <a:endParaRPr lang="pt-PT" dirty="0"/>
-          </a:p>
-          <a:p>
-            <a:r>
-              <a:rPr lang="pt-PT" dirty="0"/>
-              <a:t>Stephen </a:t>
-            </a:r>
-            <a:r>
-              <a:rPr lang="pt-PT" dirty="0" err="1"/>
-              <a:t>Cleary</a:t>
-            </a:r>
-            <a:r>
-              <a:rPr lang="pt-PT" dirty="0"/>
-              <a:t> MSDN </a:t>
-            </a:r>
-            <a:r>
-              <a:rPr lang="pt-PT" dirty="0" err="1"/>
-              <a:t>post</a:t>
-            </a:r>
-            <a:r>
-              <a:rPr lang="pt-PT" dirty="0"/>
-              <a:t> </a:t>
-            </a:r>
-            <a:r>
-              <a:rPr lang="pt-PT" dirty="0" err="1"/>
-              <a:t>on</a:t>
-            </a:r>
-            <a:r>
-              <a:rPr lang="pt-PT" dirty="0"/>
-              <a:t> "</a:t>
-            </a:r>
-            <a:r>
-              <a:rPr lang="pt-PT" dirty="0" err="1"/>
-              <a:t>Async</a:t>
-            </a:r>
-            <a:r>
-              <a:rPr lang="pt-PT" dirty="0"/>
-              <a:t>/</a:t>
-            </a:r>
-            <a:r>
-              <a:rPr lang="pt-PT" dirty="0" err="1"/>
-              <a:t>Await</a:t>
-            </a:r>
-            <a:r>
-              <a:rPr lang="pt-PT" dirty="0"/>
-              <a:t> - </a:t>
-            </a:r>
-            <a:r>
-              <a:rPr lang="pt-PT" dirty="0" err="1"/>
-              <a:t>Best</a:t>
-            </a:r>
-            <a:r>
-              <a:rPr lang="pt-PT" dirty="0"/>
-              <a:t> </a:t>
-            </a:r>
-            <a:r>
-              <a:rPr lang="pt-PT" dirty="0" err="1"/>
-              <a:t>Practices</a:t>
-            </a:r>
-            <a:r>
-              <a:rPr lang="pt-PT" dirty="0"/>
-              <a:t> in </a:t>
-            </a:r>
-            <a:r>
-              <a:rPr lang="pt-PT" dirty="0" err="1"/>
-              <a:t>Asynchronous</a:t>
-            </a:r>
-            <a:r>
-              <a:rPr lang="pt-PT" dirty="0"/>
-              <a:t> </a:t>
-            </a:r>
-            <a:r>
-              <a:rPr lang="pt-PT" dirty="0" err="1"/>
-              <a:t>Programming</a:t>
-            </a:r>
-            <a:r>
-              <a:rPr lang="pt-PT" dirty="0"/>
-              <a:t>": </a:t>
-            </a:r>
-            <a:r>
-              <a:rPr lang="pt-PT" dirty="0">
-                <a:hlinkClick r:id="rId6"/>
-              </a:rPr>
-              <a:t>https://msdn.microsoft.com/en-us/magazine/jj991977.aspx</a:t>
-            </a:r>
-            <a:endParaRPr lang="pt-PT" dirty="0"/>
-          </a:p>
-          <a:p>
-            <a:r>
-              <a:rPr lang="pt-PT" dirty="0" err="1"/>
-              <a:t>Sergey</a:t>
-            </a:r>
-            <a:r>
-              <a:rPr lang="pt-PT" dirty="0"/>
-              <a:t> </a:t>
-            </a:r>
-            <a:r>
-              <a:rPr lang="pt-PT" dirty="0" err="1"/>
-              <a:t>Teplyakov's</a:t>
-            </a:r>
-            <a:r>
-              <a:rPr lang="pt-PT" dirty="0"/>
-              <a:t> "</a:t>
-            </a:r>
-            <a:r>
-              <a:rPr lang="pt-PT" dirty="0" err="1"/>
-              <a:t>The</a:t>
-            </a:r>
-            <a:r>
-              <a:rPr lang="pt-PT" dirty="0"/>
-              <a:t> </a:t>
-            </a:r>
-            <a:r>
-              <a:rPr lang="pt-PT" dirty="0" err="1"/>
-              <a:t>danger</a:t>
-            </a:r>
-            <a:r>
-              <a:rPr lang="pt-PT" dirty="0"/>
-              <a:t> </a:t>
-            </a:r>
-            <a:r>
-              <a:rPr lang="pt-PT" dirty="0" err="1"/>
-              <a:t>of</a:t>
-            </a:r>
-            <a:r>
-              <a:rPr lang="pt-PT" dirty="0"/>
-              <a:t> </a:t>
-            </a:r>
-            <a:r>
-              <a:rPr lang="pt-PT" dirty="0" err="1"/>
-              <a:t>TaskCompletionSource</a:t>
-            </a:r>
-            <a:r>
-              <a:rPr lang="pt-PT" dirty="0"/>
-              <a:t>&lt;T&gt; </a:t>
-            </a:r>
-            <a:r>
-              <a:rPr lang="pt-PT" dirty="0" err="1"/>
-              <a:t>class</a:t>
-            </a:r>
-            <a:r>
-              <a:rPr lang="pt-PT" dirty="0"/>
-              <a:t>": </a:t>
-            </a:r>
-            <a:r>
-              <a:rPr lang="pt-PT" dirty="0">
-                <a:hlinkClick r:id="rId7"/>
-              </a:rPr>
-              <a:t>https://blogs.msdn.microsoft.com/seteplia/2018/10/01/the-danger-of-taskcompletionsourcet-class/</a:t>
-            </a:r>
-            <a:endParaRPr lang="pt-PT" dirty="0"/>
-          </a:p>
-          <a:p>
-            <a:r>
-              <a:rPr lang="pt-PT" dirty="0"/>
-              <a:t>Stephen Toub's "Understanding the Whys, Whats, and Whens of ValueTask" </a:t>
-            </a:r>
-            <a:r>
-              <a:rPr lang="pt-PT" dirty="0">
-                <a:hlinkClick r:id="rId8"/>
-              </a:rPr>
-              <a:t>https://devblogs.microsoft.com/dotnet/understanding-the-whys-whats-and-whens-of-valuetask/</a:t>
-            </a:r>
-            <a:endParaRPr lang="pt-PT" dirty="0"/>
-          </a:p>
-          <a:p>
-            <a:r>
-              <a:rPr lang="en-US" sz="2900" dirty="0"/>
-              <a:t>Stephen </a:t>
-            </a:r>
-            <a:r>
-              <a:rPr lang="en-US" sz="2900" dirty="0" err="1"/>
-              <a:t>Toub’s</a:t>
-            </a:r>
-            <a:r>
-              <a:rPr lang="en-US" sz="2900" dirty="0"/>
-              <a:t>  “</a:t>
-            </a:r>
-            <a:r>
-              <a:rPr lang="pt-PT" sz="2900" dirty="0"/>
-              <a:t>ExecutionContext vs SynchronizationContext</a:t>
-            </a:r>
-            <a:r>
-              <a:rPr lang="en-US" sz="2900" dirty="0"/>
-              <a:t>”</a:t>
-            </a:r>
-            <a:r>
-              <a:rPr lang="en-US" dirty="0"/>
-              <a:t> </a:t>
-            </a:r>
-            <a:r>
-              <a:rPr lang="pt-PT" dirty="0">
-                <a:hlinkClick r:id="rId9"/>
-              </a:rPr>
-              <a:t>https://devblogs.microsoft.com/pfxteam/executioncontext-vs-synchronizationcontext/</a:t>
-            </a:r>
-            <a:endParaRPr lang="pt-PT" dirty="0"/>
-          </a:p>
-          <a:p>
-            <a:endParaRPr lang="pt-PT" dirty="0"/>
-          </a:p>
-          <a:p>
-            <a:r>
-              <a:rPr lang="pt-PT" dirty="0" err="1"/>
-              <a:t>And</a:t>
-            </a:r>
-            <a:r>
-              <a:rPr lang="pt-PT" dirty="0"/>
-              <a:t> </a:t>
-            </a:r>
-            <a:r>
-              <a:rPr lang="pt-PT" dirty="0" err="1"/>
-              <a:t>there’s</a:t>
-            </a:r>
-            <a:r>
-              <a:rPr lang="pt-PT" dirty="0"/>
-              <a:t> a </a:t>
-            </a:r>
-            <a:r>
-              <a:rPr lang="pt-PT" dirty="0" err="1"/>
-              <a:t>looooot</a:t>
-            </a:r>
-            <a:r>
-              <a:rPr lang="pt-PT" dirty="0"/>
-              <a:t> more! 😛</a:t>
-            </a:r>
-          </a:p>
-          <a:p>
-            <a:endParaRPr lang="pt-PT" dirty="0"/>
+            <a:endParaRPr lang="en-US" dirty="0"/>
+          </a:p>
+          <a:p>
+            <a:endParaRPr lang="en-US" dirty="0"/>
           </a:p>
         </p:txBody>
       </p:sp>
@@ -12544,7 +12153,7 @@
           <p:cNvPr id="4" name="Slide Number Placeholder 3">
             <a:extLst>
               <a:ext uri="{FF2B5EF4-FFF2-40B4-BE49-F238E27FC236}">
-                <a16:creationId xmlns:a16="http://schemas.microsoft.com/office/drawing/2014/main" id="{68F308E6-6E37-4277-9C7C-2017364FFBB7}"/>
+                <a16:creationId xmlns:a16="http://schemas.microsoft.com/office/drawing/2014/main" id="{A55FE2DB-9324-4A9A-95FC-0BE43CA7EDAA}"/>
               </a:ext>
             </a:extLst>
           </p:cNvPr>
@@ -12571,7 +12180,7 @@
     </p:spTree>
     <p:extLst>
       <p:ext uri="{BB962C8B-B14F-4D97-AF65-F5344CB8AC3E}">
-        <p14:creationId xmlns:p14="http://schemas.microsoft.com/office/powerpoint/2010/main" val="4141813604"/>
+        <p14:creationId xmlns:p14="http://schemas.microsoft.com/office/powerpoint/2010/main" val="3351950214"/>
       </p:ext>
     </p:extLst>
   </p:cSld>
@@ -12765,6 +12374,790 @@
           <p:cNvPr id="5" name="Title 4">
             <a:extLst>
               <a:ext uri="{FF2B5EF4-FFF2-40B4-BE49-F238E27FC236}">
+                <a16:creationId xmlns:a16="http://schemas.microsoft.com/office/drawing/2014/main" id="{1DF77426-A5CA-485E-B0A4-8ED596EC28E3}"/>
+              </a:ext>
+            </a:extLst>
+          </p:cNvPr>
+          <p:cNvSpPr>
+            <a:spLocks noGrp="1"/>
+          </p:cNvSpPr>
+          <p:nvPr>
+            <p:ph type="title"/>
+          </p:nvPr>
+        </p:nvSpPr>
+        <p:spPr/>
+        <p:txBody>
+          <a:bodyPr/>
+          <a:lstStyle/>
+          <a:p>
+            <a:r>
+              <a:rPr lang="pt-PT" dirty="0" err="1"/>
+              <a:t>Wrapping</a:t>
+            </a:r>
+            <a:r>
+              <a:rPr lang="pt-PT" dirty="0"/>
+              <a:t> </a:t>
+            </a:r>
+            <a:r>
+              <a:rPr lang="pt-PT" dirty="0" err="1"/>
+              <a:t>up</a:t>
+            </a:r>
+            <a:endParaRPr lang="pt-PT" dirty="0"/>
+          </a:p>
+        </p:txBody>
+      </p:sp>
+      <p:sp>
+        <p:nvSpPr>
+          <p:cNvPr id="6" name="Text Placeholder 5">
+            <a:extLst>
+              <a:ext uri="{FF2B5EF4-FFF2-40B4-BE49-F238E27FC236}">
+                <a16:creationId xmlns:a16="http://schemas.microsoft.com/office/drawing/2014/main" id="{80C7D7FB-EB60-4469-81A1-37BA03B569AE}"/>
+              </a:ext>
+            </a:extLst>
+          </p:cNvPr>
+          <p:cNvSpPr>
+            <a:spLocks noGrp="1"/>
+          </p:cNvSpPr>
+          <p:nvPr>
+            <p:ph type="body" idx="1"/>
+          </p:nvPr>
+        </p:nvSpPr>
+        <p:spPr/>
+        <p:txBody>
+          <a:bodyPr/>
+          <a:lstStyle/>
+          <a:p>
+            <a:endParaRPr lang="pt-PT"/>
+          </a:p>
+        </p:txBody>
+      </p:sp>
+      <p:sp>
+        <p:nvSpPr>
+          <p:cNvPr id="4" name="Slide Number Placeholder 3">
+            <a:extLst>
+              <a:ext uri="{FF2B5EF4-FFF2-40B4-BE49-F238E27FC236}">
+                <a16:creationId xmlns:a16="http://schemas.microsoft.com/office/drawing/2014/main" id="{52D6E5F0-247A-4444-BB10-DA85900E1EA7}"/>
+              </a:ext>
+            </a:extLst>
+          </p:cNvPr>
+          <p:cNvSpPr>
+            <a:spLocks noGrp="1"/>
+          </p:cNvSpPr>
+          <p:nvPr>
+            <p:ph type="sldNum" sz="quarter" idx="12"/>
+          </p:nvPr>
+        </p:nvSpPr>
+        <p:spPr/>
+        <p:txBody>
+          <a:bodyPr/>
+          <a:lstStyle/>
+          <a:p>
+            <a:fld id="{C51890B4-0D7E-467A-A36C-2EC5EF11FF9C}" type="slidenum">
+              <a:rPr lang="pt-PT" smtClean="0"/>
+              <a:t>60</a:t>
+            </a:fld>
+            <a:endParaRPr lang="pt-PT"/>
+          </a:p>
+        </p:txBody>
+      </p:sp>
+    </p:spTree>
+    <p:extLst>
+      <p:ext uri="{BB962C8B-B14F-4D97-AF65-F5344CB8AC3E}">
+        <p14:creationId xmlns:p14="http://schemas.microsoft.com/office/powerpoint/2010/main" val="2303745898"/>
+      </p:ext>
+    </p:extLst>
+  </p:cSld>
+  <p:clrMapOvr>
+    <a:masterClrMapping/>
+  </p:clrMapOvr>
+</p:sld>
+</file>
+
+<file path=ppt/slides/slide61.xml><?xml version="1.0" encoding="utf-8"?>
+<p:sld xmlns:a="http://schemas.openxmlformats.org/drawingml/2006/main" xmlns:r="http://schemas.openxmlformats.org/officeDocument/2006/relationships" xmlns:p="http://schemas.openxmlformats.org/presentationml/2006/main">
+  <p:cSld>
+    <p:spTree>
+      <p:nvGrpSpPr>
+        <p:cNvPr id="1" name=""/>
+        <p:cNvGrpSpPr/>
+        <p:nvPr/>
+      </p:nvGrpSpPr>
+      <p:grpSpPr>
+        <a:xfrm>
+          <a:off x="0" y="0"/>
+          <a:ext cx="0" cy="0"/>
+          <a:chOff x="0" y="0"/>
+          <a:chExt cx="0" cy="0"/>
+        </a:xfrm>
+      </p:grpSpPr>
+      <p:sp>
+        <p:nvSpPr>
+          <p:cNvPr id="5" name="Title 4">
+            <a:extLst>
+              <a:ext uri="{FF2B5EF4-FFF2-40B4-BE49-F238E27FC236}">
+                <a16:creationId xmlns:a16="http://schemas.microsoft.com/office/drawing/2014/main" id="{EAD557A2-7B3E-40D0-854A-ED6223CF4B0F}"/>
+              </a:ext>
+            </a:extLst>
+          </p:cNvPr>
+          <p:cNvSpPr>
+            <a:spLocks noGrp="1"/>
+          </p:cNvSpPr>
+          <p:nvPr>
+            <p:ph type="title"/>
+          </p:nvPr>
+        </p:nvSpPr>
+        <p:spPr/>
+        <p:txBody>
+          <a:bodyPr/>
+          <a:lstStyle/>
+          <a:p>
+            <a:r>
+              <a:rPr lang="pt-PT" dirty="0" err="1"/>
+              <a:t>Wrapping</a:t>
+            </a:r>
+            <a:r>
+              <a:rPr lang="pt-PT" dirty="0"/>
+              <a:t> </a:t>
+            </a:r>
+            <a:r>
+              <a:rPr lang="pt-PT" dirty="0" err="1"/>
+              <a:t>up</a:t>
+            </a:r>
+            <a:endParaRPr lang="pt-PT" dirty="0"/>
+          </a:p>
+        </p:txBody>
+      </p:sp>
+      <p:sp>
+        <p:nvSpPr>
+          <p:cNvPr id="6" name="Content Placeholder 5">
+            <a:extLst>
+              <a:ext uri="{FF2B5EF4-FFF2-40B4-BE49-F238E27FC236}">
+                <a16:creationId xmlns:a16="http://schemas.microsoft.com/office/drawing/2014/main" id="{F7B0369D-8885-4D22-A3D0-414E44EFFCA0}"/>
+              </a:ext>
+            </a:extLst>
+          </p:cNvPr>
+          <p:cNvSpPr>
+            <a:spLocks noGrp="1"/>
+          </p:cNvSpPr>
+          <p:nvPr>
+            <p:ph idx="1"/>
+          </p:nvPr>
+        </p:nvSpPr>
+        <p:spPr/>
+        <p:txBody>
+          <a:bodyPr/>
+          <a:lstStyle/>
+          <a:p>
+            <a:r>
+              <a:rPr lang="en-US" dirty="0"/>
+              <a:t>We've seen:</a:t>
+            </a:r>
+          </a:p>
+          <a:p>
+            <a:pPr lvl="1"/>
+            <a:r>
+              <a:rPr lang="en-US" dirty="0"/>
+              <a:t>Why async/await</a:t>
+            </a:r>
+          </a:p>
+          <a:p>
+            <a:pPr lvl="1"/>
+            <a:r>
+              <a:rPr lang="en-US" dirty="0"/>
+              <a:t>Some regularly used practices and patterns with async/await and other related bits</a:t>
+            </a:r>
+          </a:p>
+          <a:p>
+            <a:pPr lvl="1"/>
+            <a:r>
+              <a:rPr lang="en-US" dirty="0"/>
+              <a:t>Some less used but interesting scenarios</a:t>
+            </a:r>
+          </a:p>
+          <a:p>
+            <a:pPr lvl="1"/>
+            <a:r>
+              <a:rPr lang="en-US" dirty="0"/>
+              <a:t>Some common issues</a:t>
+            </a:r>
+          </a:p>
+          <a:p>
+            <a:r>
+              <a:rPr lang="en-US" dirty="0"/>
+              <a:t>There’s much more depth to the subject, but hopefully this should be a good overview</a:t>
+            </a:r>
+          </a:p>
+        </p:txBody>
+      </p:sp>
+      <p:sp>
+        <p:nvSpPr>
+          <p:cNvPr id="4" name="Slide Number Placeholder 3">
+            <a:extLst>
+              <a:ext uri="{FF2B5EF4-FFF2-40B4-BE49-F238E27FC236}">
+                <a16:creationId xmlns:a16="http://schemas.microsoft.com/office/drawing/2014/main" id="{5039E47F-3FD9-4252-B24F-C5FAD3D1AEEA}"/>
+              </a:ext>
+            </a:extLst>
+          </p:cNvPr>
+          <p:cNvSpPr>
+            <a:spLocks noGrp="1"/>
+          </p:cNvSpPr>
+          <p:nvPr>
+            <p:ph type="sldNum" sz="quarter" idx="12"/>
+          </p:nvPr>
+        </p:nvSpPr>
+        <p:spPr/>
+        <p:txBody>
+          <a:bodyPr/>
+          <a:lstStyle/>
+          <a:p>
+            <a:fld id="{C51890B4-0D7E-467A-A36C-2EC5EF11FF9C}" type="slidenum">
+              <a:rPr lang="pt-PT" smtClean="0"/>
+              <a:t>61</a:t>
+            </a:fld>
+            <a:endParaRPr lang="pt-PT"/>
+          </a:p>
+        </p:txBody>
+      </p:sp>
+    </p:spTree>
+    <p:extLst>
+      <p:ext uri="{BB962C8B-B14F-4D97-AF65-F5344CB8AC3E}">
+        <p14:creationId xmlns:p14="http://schemas.microsoft.com/office/powerpoint/2010/main" val="2344964738"/>
+      </p:ext>
+    </p:extLst>
+  </p:cSld>
+  <p:clrMapOvr>
+    <a:masterClrMapping/>
+  </p:clrMapOvr>
+</p:sld>
+</file>
+
+<file path=ppt/slides/slide62.xml><?xml version="1.0" encoding="utf-8"?>
+<p:sld xmlns:a="http://schemas.openxmlformats.org/drawingml/2006/main" xmlns:r="http://schemas.openxmlformats.org/officeDocument/2006/relationships" xmlns:p="http://schemas.openxmlformats.org/presentationml/2006/main">
+  <p:cSld>
+    <p:spTree>
+      <p:nvGrpSpPr>
+        <p:cNvPr id="1" name=""/>
+        <p:cNvGrpSpPr/>
+        <p:nvPr/>
+      </p:nvGrpSpPr>
+      <p:grpSpPr>
+        <a:xfrm>
+          <a:off x="0" y="0"/>
+          <a:ext cx="0" cy="0"/>
+          <a:chOff x="0" y="0"/>
+          <a:chExt cx="0" cy="0"/>
+        </a:xfrm>
+      </p:grpSpPr>
+      <p:sp>
+        <p:nvSpPr>
+          <p:cNvPr id="2" name="Title 1">
+            <a:extLst>
+              <a:ext uri="{FF2B5EF4-FFF2-40B4-BE49-F238E27FC236}">
+                <a16:creationId xmlns:a16="http://schemas.microsoft.com/office/drawing/2014/main" id="{A603B299-6840-4CBF-9314-351F1DFB605F}"/>
+              </a:ext>
+            </a:extLst>
+          </p:cNvPr>
+          <p:cNvSpPr>
+            <a:spLocks noGrp="1"/>
+          </p:cNvSpPr>
+          <p:nvPr>
+            <p:ph type="title"/>
+          </p:nvPr>
+        </p:nvSpPr>
+        <p:spPr/>
+        <p:txBody>
+          <a:bodyPr/>
+          <a:lstStyle/>
+          <a:p>
+            <a:r>
+              <a:rPr lang="pt-PT" dirty="0"/>
+              <a:t>Some links</a:t>
+            </a:r>
+          </a:p>
+        </p:txBody>
+      </p:sp>
+      <p:sp>
+        <p:nvSpPr>
+          <p:cNvPr id="3" name="Content Placeholder 2">
+            <a:extLst>
+              <a:ext uri="{FF2B5EF4-FFF2-40B4-BE49-F238E27FC236}">
+                <a16:creationId xmlns:a16="http://schemas.microsoft.com/office/drawing/2014/main" id="{6A5B2C3B-FB65-4048-8A6A-998A346AA313}"/>
+              </a:ext>
+            </a:extLst>
+          </p:cNvPr>
+          <p:cNvSpPr>
+            <a:spLocks noGrp="1"/>
+          </p:cNvSpPr>
+          <p:nvPr>
+            <p:ph idx="1"/>
+          </p:nvPr>
+        </p:nvSpPr>
+        <p:spPr/>
+        <p:txBody>
+          <a:bodyPr>
+            <a:normAutofit fontScale="62500" lnSpcReduction="20000"/>
+          </a:bodyPr>
+          <a:lstStyle/>
+          <a:p>
+            <a:r>
+              <a:rPr lang="pt-PT" dirty="0"/>
+              <a:t>David </a:t>
+            </a:r>
+            <a:r>
+              <a:rPr lang="pt-PT" dirty="0" err="1"/>
+              <a:t>Fowler's</a:t>
+            </a:r>
+            <a:r>
+              <a:rPr lang="pt-PT" dirty="0"/>
+              <a:t> </a:t>
+            </a:r>
+            <a:r>
+              <a:rPr lang="pt-PT" dirty="0" err="1"/>
+              <a:t>async</a:t>
+            </a:r>
+            <a:r>
+              <a:rPr lang="pt-PT" dirty="0"/>
+              <a:t> </a:t>
+            </a:r>
+            <a:r>
+              <a:rPr lang="pt-PT" dirty="0" err="1"/>
+              <a:t>guidance</a:t>
+            </a:r>
+            <a:r>
+              <a:rPr lang="pt-PT" dirty="0"/>
+              <a:t> </a:t>
+            </a:r>
+            <a:r>
+              <a:rPr lang="pt-PT" dirty="0" err="1"/>
+              <a:t>article</a:t>
+            </a:r>
+            <a:r>
+              <a:rPr lang="pt-PT" dirty="0"/>
+              <a:t>: </a:t>
+            </a:r>
+            <a:r>
+              <a:rPr lang="pt-PT" dirty="0">
+                <a:hlinkClick r:id="rId2"/>
+              </a:rPr>
+              <a:t>https://github.com/davidfowl/AspNetCoreDiagnosticScenarios/blob/master/AsyncGuidance.md</a:t>
+            </a:r>
+            <a:endParaRPr lang="pt-PT" dirty="0"/>
+          </a:p>
+          <a:p>
+            <a:r>
+              <a:rPr lang="pt-PT" dirty="0"/>
+              <a:t>Stephen </a:t>
+            </a:r>
+            <a:r>
+              <a:rPr lang="pt-PT" dirty="0" err="1"/>
+              <a:t>Cleary's</a:t>
+            </a:r>
+            <a:r>
+              <a:rPr lang="pt-PT" dirty="0"/>
+              <a:t> blog: </a:t>
+            </a:r>
+            <a:r>
+              <a:rPr lang="pt-PT" dirty="0">
+                <a:hlinkClick r:id="rId3"/>
+              </a:rPr>
+              <a:t>https://blog.stephencleary.com/</a:t>
+            </a:r>
+            <a:endParaRPr lang="pt-PT" dirty="0"/>
+          </a:p>
+          <a:p>
+            <a:pPr lvl="1"/>
+            <a:r>
+              <a:rPr lang="pt-PT" dirty="0"/>
+              <a:t>"</a:t>
+            </a:r>
+            <a:r>
+              <a:rPr lang="pt-PT" dirty="0" err="1"/>
+              <a:t>Task.Run</a:t>
+            </a:r>
+            <a:r>
+              <a:rPr lang="pt-PT" dirty="0"/>
+              <a:t> </a:t>
+            </a:r>
+            <a:r>
+              <a:rPr lang="pt-PT" dirty="0" err="1"/>
+              <a:t>Etiquette</a:t>
+            </a:r>
+            <a:r>
+              <a:rPr lang="pt-PT" dirty="0"/>
+              <a:t> </a:t>
+            </a:r>
+            <a:r>
+              <a:rPr lang="pt-PT" dirty="0" err="1"/>
+              <a:t>Examples</a:t>
+            </a:r>
+            <a:r>
+              <a:rPr lang="pt-PT" dirty="0"/>
+              <a:t>: </a:t>
+            </a:r>
+            <a:r>
+              <a:rPr lang="pt-PT" dirty="0" err="1"/>
+              <a:t>Don't</a:t>
+            </a:r>
+            <a:r>
+              <a:rPr lang="pt-PT" dirty="0"/>
+              <a:t> Use </a:t>
+            </a:r>
+            <a:r>
+              <a:rPr lang="pt-PT" dirty="0" err="1"/>
+              <a:t>Task.Run</a:t>
+            </a:r>
+            <a:r>
+              <a:rPr lang="pt-PT" dirty="0"/>
+              <a:t> in </a:t>
+            </a:r>
+            <a:r>
+              <a:rPr lang="pt-PT" dirty="0" err="1"/>
+              <a:t>the</a:t>
+            </a:r>
+            <a:r>
+              <a:rPr lang="pt-PT" dirty="0"/>
+              <a:t> </a:t>
+            </a:r>
+            <a:r>
+              <a:rPr lang="pt-PT" dirty="0" err="1"/>
+              <a:t>Implementation</a:t>
+            </a:r>
+            <a:r>
+              <a:rPr lang="pt-PT" dirty="0"/>
+              <a:t>": </a:t>
+            </a:r>
+            <a:r>
+              <a:rPr lang="pt-PT" dirty="0">
+                <a:hlinkClick r:id="rId4"/>
+              </a:rPr>
+              <a:t>https://blog.stephencleary.com/2013/11/taskrun-etiquette-examples-dont-use.html</a:t>
+            </a:r>
+            <a:endParaRPr lang="pt-PT" dirty="0"/>
+          </a:p>
+          <a:p>
+            <a:pPr lvl="1"/>
+            <a:r>
+              <a:rPr lang="pt-PT" dirty="0"/>
+              <a:t>“</a:t>
+            </a:r>
+            <a:r>
+              <a:rPr lang="pt-PT" dirty="0" err="1"/>
+              <a:t>There</a:t>
+            </a:r>
+            <a:r>
+              <a:rPr lang="pt-PT" dirty="0"/>
+              <a:t> Is No </a:t>
+            </a:r>
+            <a:r>
+              <a:rPr lang="pt-PT" dirty="0" err="1"/>
+              <a:t>Thread</a:t>
+            </a:r>
+            <a:r>
+              <a:rPr lang="pt-PT" dirty="0"/>
+              <a:t>”: </a:t>
+            </a:r>
+            <a:r>
+              <a:rPr lang="pt-PT" dirty="0">
+                <a:hlinkClick r:id="rId5"/>
+              </a:rPr>
+              <a:t>https://blog.stephencleary.com/2013/11/there-is-no-thread.html</a:t>
+            </a:r>
+            <a:endParaRPr lang="pt-PT" dirty="0"/>
+          </a:p>
+          <a:p>
+            <a:r>
+              <a:rPr lang="pt-PT" dirty="0"/>
+              <a:t>Stephen </a:t>
+            </a:r>
+            <a:r>
+              <a:rPr lang="pt-PT" dirty="0" err="1"/>
+              <a:t>Cleary</a:t>
+            </a:r>
+            <a:r>
+              <a:rPr lang="pt-PT" dirty="0"/>
+              <a:t> MSDN </a:t>
+            </a:r>
+            <a:r>
+              <a:rPr lang="pt-PT" dirty="0" err="1"/>
+              <a:t>post</a:t>
+            </a:r>
+            <a:r>
+              <a:rPr lang="pt-PT" dirty="0"/>
+              <a:t> </a:t>
+            </a:r>
+            <a:r>
+              <a:rPr lang="pt-PT" dirty="0" err="1"/>
+              <a:t>on</a:t>
+            </a:r>
+            <a:r>
+              <a:rPr lang="pt-PT" dirty="0"/>
+              <a:t> "</a:t>
+            </a:r>
+            <a:r>
+              <a:rPr lang="pt-PT" dirty="0" err="1"/>
+              <a:t>Async</a:t>
+            </a:r>
+            <a:r>
+              <a:rPr lang="pt-PT" dirty="0"/>
+              <a:t>/</a:t>
+            </a:r>
+            <a:r>
+              <a:rPr lang="pt-PT" dirty="0" err="1"/>
+              <a:t>Await</a:t>
+            </a:r>
+            <a:r>
+              <a:rPr lang="pt-PT" dirty="0"/>
+              <a:t> - </a:t>
+            </a:r>
+            <a:r>
+              <a:rPr lang="pt-PT" dirty="0" err="1"/>
+              <a:t>Best</a:t>
+            </a:r>
+            <a:r>
+              <a:rPr lang="pt-PT" dirty="0"/>
+              <a:t> </a:t>
+            </a:r>
+            <a:r>
+              <a:rPr lang="pt-PT" dirty="0" err="1"/>
+              <a:t>Practices</a:t>
+            </a:r>
+            <a:r>
+              <a:rPr lang="pt-PT" dirty="0"/>
+              <a:t> in </a:t>
+            </a:r>
+            <a:r>
+              <a:rPr lang="pt-PT" dirty="0" err="1"/>
+              <a:t>Asynchronous</a:t>
+            </a:r>
+            <a:r>
+              <a:rPr lang="pt-PT" dirty="0"/>
+              <a:t> </a:t>
+            </a:r>
+            <a:r>
+              <a:rPr lang="pt-PT" dirty="0" err="1"/>
+              <a:t>Programming</a:t>
+            </a:r>
+            <a:r>
+              <a:rPr lang="pt-PT" dirty="0"/>
+              <a:t>": </a:t>
+            </a:r>
+            <a:r>
+              <a:rPr lang="pt-PT" dirty="0">
+                <a:hlinkClick r:id="rId6"/>
+              </a:rPr>
+              <a:t>https://msdn.microsoft.com/en-us/magazine/jj991977.aspx</a:t>
+            </a:r>
+            <a:endParaRPr lang="pt-PT" dirty="0"/>
+          </a:p>
+          <a:p>
+            <a:r>
+              <a:rPr lang="pt-PT" dirty="0" err="1"/>
+              <a:t>Sergey</a:t>
+            </a:r>
+            <a:r>
+              <a:rPr lang="pt-PT" dirty="0"/>
+              <a:t> </a:t>
+            </a:r>
+            <a:r>
+              <a:rPr lang="pt-PT" dirty="0" err="1"/>
+              <a:t>Teplyakov's</a:t>
+            </a:r>
+            <a:r>
+              <a:rPr lang="pt-PT" dirty="0"/>
+              <a:t> "</a:t>
+            </a:r>
+            <a:r>
+              <a:rPr lang="pt-PT" dirty="0" err="1"/>
+              <a:t>The</a:t>
+            </a:r>
+            <a:r>
+              <a:rPr lang="pt-PT" dirty="0"/>
+              <a:t> </a:t>
+            </a:r>
+            <a:r>
+              <a:rPr lang="pt-PT" dirty="0" err="1"/>
+              <a:t>danger</a:t>
+            </a:r>
+            <a:r>
+              <a:rPr lang="pt-PT" dirty="0"/>
+              <a:t> </a:t>
+            </a:r>
+            <a:r>
+              <a:rPr lang="pt-PT" dirty="0" err="1"/>
+              <a:t>of</a:t>
+            </a:r>
+            <a:r>
+              <a:rPr lang="pt-PT" dirty="0"/>
+              <a:t> </a:t>
+            </a:r>
+            <a:r>
+              <a:rPr lang="pt-PT" dirty="0" err="1"/>
+              <a:t>TaskCompletionSource</a:t>
+            </a:r>
+            <a:r>
+              <a:rPr lang="pt-PT" dirty="0"/>
+              <a:t>&lt;T&gt; </a:t>
+            </a:r>
+            <a:r>
+              <a:rPr lang="pt-PT" dirty="0" err="1"/>
+              <a:t>class</a:t>
+            </a:r>
+            <a:r>
+              <a:rPr lang="pt-PT" dirty="0"/>
+              <a:t>": </a:t>
+            </a:r>
+            <a:r>
+              <a:rPr lang="pt-PT" dirty="0">
+                <a:hlinkClick r:id="rId7"/>
+              </a:rPr>
+              <a:t>https://blogs.msdn.microsoft.com/seteplia/2018/10/01/the-danger-of-taskcompletionsourcet-class/</a:t>
+            </a:r>
+            <a:endParaRPr lang="pt-PT" dirty="0"/>
+          </a:p>
+          <a:p>
+            <a:r>
+              <a:rPr lang="pt-PT" dirty="0"/>
+              <a:t>Stephen Toub's "Understanding the Whys, Whats, and Whens of ValueTask" </a:t>
+            </a:r>
+            <a:r>
+              <a:rPr lang="pt-PT" dirty="0">
+                <a:hlinkClick r:id="rId8"/>
+              </a:rPr>
+              <a:t>https://devblogs.microsoft.com/dotnet/understanding-the-whys-whats-and-whens-of-valuetask/</a:t>
+            </a:r>
+            <a:endParaRPr lang="pt-PT" dirty="0"/>
+          </a:p>
+          <a:p>
+            <a:r>
+              <a:rPr lang="en-US" sz="2900" dirty="0"/>
+              <a:t>Stephen </a:t>
+            </a:r>
+            <a:r>
+              <a:rPr lang="en-US" sz="2900" dirty="0" err="1"/>
+              <a:t>Toub’s</a:t>
+            </a:r>
+            <a:r>
+              <a:rPr lang="en-US" sz="2900" dirty="0"/>
+              <a:t>  “</a:t>
+            </a:r>
+            <a:r>
+              <a:rPr lang="pt-PT" sz="2900" dirty="0"/>
+              <a:t>ExecutionContext vs SynchronizationContext</a:t>
+            </a:r>
+            <a:r>
+              <a:rPr lang="en-US" sz="2900" dirty="0"/>
+              <a:t>”</a:t>
+            </a:r>
+            <a:r>
+              <a:rPr lang="en-US" dirty="0"/>
+              <a:t> </a:t>
+            </a:r>
+            <a:r>
+              <a:rPr lang="pt-PT" dirty="0">
+                <a:hlinkClick r:id="rId9"/>
+              </a:rPr>
+              <a:t>https://devblogs.microsoft.com/pfxteam/executioncontext-vs-synchronizationcontext/</a:t>
+            </a:r>
+            <a:endParaRPr lang="pt-PT" dirty="0"/>
+          </a:p>
+          <a:p>
+            <a:endParaRPr lang="pt-PT" dirty="0"/>
+          </a:p>
+          <a:p>
+            <a:r>
+              <a:rPr lang="pt-PT" dirty="0" err="1"/>
+              <a:t>And</a:t>
+            </a:r>
+            <a:r>
+              <a:rPr lang="pt-PT" dirty="0"/>
+              <a:t> </a:t>
+            </a:r>
+            <a:r>
+              <a:rPr lang="pt-PT" dirty="0" err="1"/>
+              <a:t>there’s</a:t>
+            </a:r>
+            <a:r>
+              <a:rPr lang="pt-PT" dirty="0"/>
+              <a:t> a </a:t>
+            </a:r>
+            <a:r>
+              <a:rPr lang="pt-PT" dirty="0" err="1"/>
+              <a:t>looooot</a:t>
+            </a:r>
+            <a:r>
+              <a:rPr lang="pt-PT" dirty="0"/>
+              <a:t> more! 😛</a:t>
+            </a:r>
+          </a:p>
+          <a:p>
+            <a:endParaRPr lang="pt-PT" dirty="0"/>
+          </a:p>
+        </p:txBody>
+      </p:sp>
+      <p:sp>
+        <p:nvSpPr>
+          <p:cNvPr id="4" name="Slide Number Placeholder 3">
+            <a:extLst>
+              <a:ext uri="{FF2B5EF4-FFF2-40B4-BE49-F238E27FC236}">
+                <a16:creationId xmlns:a16="http://schemas.microsoft.com/office/drawing/2014/main" id="{68F308E6-6E37-4277-9C7C-2017364FFBB7}"/>
+              </a:ext>
+            </a:extLst>
+          </p:cNvPr>
+          <p:cNvSpPr>
+            <a:spLocks noGrp="1"/>
+          </p:cNvSpPr>
+          <p:nvPr>
+            <p:ph type="sldNum" sz="quarter" idx="12"/>
+          </p:nvPr>
+        </p:nvSpPr>
+        <p:spPr/>
+        <p:txBody>
+          <a:bodyPr/>
+          <a:lstStyle/>
+          <a:p>
+            <a:fld id="{C51890B4-0D7E-467A-A36C-2EC5EF11FF9C}" type="slidenum">
+              <a:rPr lang="pt-PT" smtClean="0"/>
+              <a:t>62</a:t>
+            </a:fld>
+            <a:endParaRPr lang="pt-PT"/>
+          </a:p>
+        </p:txBody>
+      </p:sp>
+    </p:spTree>
+    <p:extLst>
+      <p:ext uri="{BB962C8B-B14F-4D97-AF65-F5344CB8AC3E}">
+        <p14:creationId xmlns:p14="http://schemas.microsoft.com/office/powerpoint/2010/main" val="4141813604"/>
+      </p:ext>
+    </p:extLst>
+  </p:cSld>
+  <p:clrMapOvr>
+    <a:masterClrMapping/>
+  </p:clrMapOvr>
+</p:sld>
+</file>
+
+<file path=ppt/slides/slide63.xml><?xml version="1.0" encoding="utf-8"?>
+<p:sld xmlns:a="http://schemas.openxmlformats.org/drawingml/2006/main" xmlns:r="http://schemas.openxmlformats.org/officeDocument/2006/relationships" xmlns:p="http://schemas.openxmlformats.org/presentationml/2006/main">
+  <p:cSld>
+    <p:spTree>
+      <p:nvGrpSpPr>
+        <p:cNvPr id="1" name=""/>
+        <p:cNvGrpSpPr/>
+        <p:nvPr/>
+      </p:nvGrpSpPr>
+      <p:grpSpPr>
+        <a:xfrm>
+          <a:off x="0" y="0"/>
+          <a:ext cx="0" cy="0"/>
+          <a:chOff x="0" y="0"/>
+          <a:chExt cx="0" cy="0"/>
+        </a:xfrm>
+      </p:grpSpPr>
+      <p:sp>
+        <p:nvSpPr>
+          <p:cNvPr id="5" name="Title 4">
+            <a:extLst>
+              <a:ext uri="{FF2B5EF4-FFF2-40B4-BE49-F238E27FC236}">
                 <a16:creationId xmlns:a16="http://schemas.microsoft.com/office/drawing/2014/main" id="{16EDA15E-1AF0-4475-94F2-9AF1135EF669}"/>
               </a:ext>
             </a:extLst>
@@ -12864,7 +13257,7 @@
           <a:p>
             <a:fld id="{C51890B4-0D7E-467A-A36C-2EC5EF11FF9C}" type="slidenum">
               <a:rPr lang="pt-PT" smtClean="0"/>
-              <a:t>60</a:t>
+              <a:t>63</a:t>
             </a:fld>
             <a:endParaRPr lang="pt-PT"/>
           </a:p>

--- a/presentation/async-all-the-things.pptx
+++ b/presentation/async-all-the-things.pptx
@@ -270,7 +270,7 @@
           <a:p>
             <a:fld id="{983D6D9B-0F8C-458B-B08B-036548941D12}" type="datetimeFigureOut">
               <a:rPr lang="pt-PT" smtClean="0"/>
-              <a:t>24/07/2019</a:t>
+              <a:t>02/05/2021</a:t>
             </a:fld>
             <a:endParaRPr lang="pt-PT"/>
           </a:p>
@@ -687,7 +687,7 @@
           <a:p>
             <a:fld id="{7BC5A0E7-DF1B-473A-B6BC-AADB43BDE17C}" type="datetime1">
               <a:rPr lang="pt-PT" smtClean="0"/>
-              <a:t>24/07/2019</a:t>
+              <a:t>02/05/2021</a:t>
             </a:fld>
             <a:endParaRPr lang="pt-PT"/>
           </a:p>
@@ -892,7 +892,7 @@
           <a:p>
             <a:fld id="{45E19FAD-9910-43AE-8B36-5EB93DB26C19}" type="datetime1">
               <a:rPr lang="pt-PT" smtClean="0"/>
-              <a:t>24/07/2019</a:t>
+              <a:t>02/05/2021</a:t>
             </a:fld>
             <a:endParaRPr lang="pt-PT"/>
           </a:p>
@@ -1102,7 +1102,7 @@
           <a:p>
             <a:fld id="{7B065CBB-26D4-47D5-9DCB-46F2A0891989}" type="datetime1">
               <a:rPr lang="pt-PT" smtClean="0"/>
-              <a:t>24/07/2019</a:t>
+              <a:t>02/05/2021</a:t>
             </a:fld>
             <a:endParaRPr lang="pt-PT"/>
           </a:p>
@@ -1307,7 +1307,7 @@
           <a:p>
             <a:fld id="{6A03AAA3-D668-488E-BC5C-16991DD8CD7A}" type="datetime1">
               <a:rPr lang="pt-PT" smtClean="0"/>
-              <a:t>24/07/2019</a:t>
+              <a:t>02/05/2021</a:t>
             </a:fld>
             <a:endParaRPr lang="pt-PT"/>
           </a:p>
@@ -1583,7 +1583,7 @@
           <a:p>
             <a:fld id="{0FDC295C-2D3B-433E-8BAF-F1774F278DC1}" type="datetime1">
               <a:rPr lang="pt-PT" smtClean="0"/>
-              <a:t>24/07/2019</a:t>
+              <a:t>02/05/2021</a:t>
             </a:fld>
             <a:endParaRPr lang="pt-PT"/>
           </a:p>
@@ -1856,7 +1856,7 @@
           <a:p>
             <a:fld id="{1C9899F1-CFF7-46D6-A1D4-C9F00D7AC3D9}" type="datetime1">
               <a:rPr lang="pt-PT" smtClean="0"/>
-              <a:t>24/07/2019</a:t>
+              <a:t>02/05/2021</a:t>
             </a:fld>
             <a:endParaRPr lang="pt-PT"/>
           </a:p>
@@ -2271,7 +2271,7 @@
           <a:p>
             <a:fld id="{F2ECEE4E-69DE-4832-BA99-F1C0B0845C33}" type="datetime1">
               <a:rPr lang="pt-PT" smtClean="0"/>
-              <a:t>24/07/2019</a:t>
+              <a:t>02/05/2021</a:t>
             </a:fld>
             <a:endParaRPr lang="pt-PT"/>
           </a:p>
@@ -2413,7 +2413,7 @@
           <a:p>
             <a:fld id="{F891F9D1-0A4B-47E6-979E-5BFE241942EF}" type="datetime1">
               <a:rPr lang="pt-PT" smtClean="0"/>
-              <a:t>24/07/2019</a:t>
+              <a:t>02/05/2021</a:t>
             </a:fld>
             <a:endParaRPr lang="pt-PT"/>
           </a:p>
@@ -2526,7 +2526,7 @@
           <a:p>
             <a:fld id="{366ABC13-341A-42B6-BB9C-8B17E77D78BD}" type="datetime1">
               <a:rPr lang="pt-PT" smtClean="0"/>
-              <a:t>24/07/2019</a:t>
+              <a:t>02/05/2021</a:t>
             </a:fld>
             <a:endParaRPr lang="pt-PT"/>
           </a:p>
@@ -2839,7 +2839,7 @@
           <a:p>
             <a:fld id="{056C69F2-C049-4C2F-8710-D854FCC26CA8}" type="datetime1">
               <a:rPr lang="pt-PT" smtClean="0"/>
-              <a:t>24/07/2019</a:t>
+              <a:t>02/05/2021</a:t>
             </a:fld>
             <a:endParaRPr lang="pt-PT"/>
           </a:p>
@@ -3128,7 +3128,7 @@
           <a:p>
             <a:fld id="{D5E56A50-1685-467C-806D-D8AE86523B3A}" type="datetime1">
               <a:rPr lang="pt-PT" smtClean="0"/>
-              <a:t>24/07/2019</a:t>
+              <a:t>02/05/2021</a:t>
             </a:fld>
             <a:endParaRPr lang="pt-PT"/>
           </a:p>
@@ -3371,7 +3371,7 @@
           <a:p>
             <a:fld id="{31D5F0EA-CD69-48E5-883C-BA5257F9C170}" type="datetime1">
               <a:rPr lang="pt-PT" smtClean="0"/>
-              <a:t>24/07/2019</a:t>
+              <a:t>02/05/2021</a:t>
             </a:fld>
             <a:endParaRPr lang="pt-PT"/>
           </a:p>
@@ -4143,7 +4143,15 @@
             </a:r>
             <a:r>
               <a:rPr lang="pt-PT" dirty="0"/>
-              <a:t> implemente </a:t>
+              <a:t> </a:t>
+            </a:r>
+            <a:r>
+              <a:rPr lang="pt-PT" dirty="0" err="1"/>
+              <a:t>implement</a:t>
+            </a:r>
+            <a:r>
+              <a:rPr lang="pt-PT" dirty="0"/>
+              <a:t> </a:t>
             </a:r>
             <a:r>
               <a:rPr lang="pt-PT" dirty="0" err="1"/>
